--- a/EVALUASI USABILITY APLIKASI AKULAKU DENGAN METODE SYSTEM USABILITY.pptx
+++ b/EVALUASI USABILITY APLIKASI AKULAKU DENGAN METODE SYSTEM USABILITY.pptx
@@ -130,6 +130,11 @@
       </a:defRPr>
     </a:lvl9pPr>
   </p:defaultTextStyle>
+  <p:extLst>
+    <p:ext uri="{EFAFB233-063F-42B5-8137-9DF3F51BA10A}">
+      <p15:sldGuideLst xmlns:p15="http://schemas.microsoft.com/office/powerpoint/2012/main"/>
+    </p:ext>
+  </p:extLst>
 </p:presentation>
 </file>
 
@@ -272,7 +277,7 @@
           <a:p>
             <a:fld id="{9C0A85BC-AD8C-4F5E-B798-29AA35673BF4}" type="datetimeFigureOut">
               <a:rPr lang="id-ID" smtClean="0"/>
-              <a:t>28/01/2024</a:t>
+              <a:t>20/02/2024</a:t>
             </a:fld>
             <a:endParaRPr lang="id-ID"/>
           </a:p>
@@ -483,7 +488,7 @@
           <a:p>
             <a:fld id="{9C0A85BC-AD8C-4F5E-B798-29AA35673BF4}" type="datetimeFigureOut">
               <a:rPr lang="id-ID" smtClean="0"/>
-              <a:t>28/01/2024</a:t>
+              <a:t>20/02/2024</a:t>
             </a:fld>
             <a:endParaRPr lang="id-ID"/>
           </a:p>
@@ -698,7 +703,7 @@
           <a:p>
             <a:fld id="{9C0A85BC-AD8C-4F5E-B798-29AA35673BF4}" type="datetimeFigureOut">
               <a:rPr lang="id-ID" smtClean="0"/>
-              <a:t>28/01/2024</a:t>
+              <a:t>20/02/2024</a:t>
             </a:fld>
             <a:endParaRPr lang="id-ID"/>
           </a:p>
@@ -899,7 +904,7 @@
           <a:p>
             <a:fld id="{9C0A85BC-AD8C-4F5E-B798-29AA35673BF4}" type="datetimeFigureOut">
               <a:rPr lang="id-ID" smtClean="0"/>
-              <a:t>28/01/2024</a:t>
+              <a:t>20/02/2024</a:t>
             </a:fld>
             <a:endParaRPr lang="id-ID"/>
           </a:p>
@@ -1178,7 +1183,7 @@
           <a:p>
             <a:fld id="{9C0A85BC-AD8C-4F5E-B798-29AA35673BF4}" type="datetimeFigureOut">
               <a:rPr lang="id-ID" smtClean="0"/>
-              <a:t>28/01/2024</a:t>
+              <a:t>20/02/2024</a:t>
             </a:fld>
             <a:endParaRPr lang="id-ID"/>
           </a:p>
@@ -1446,7 +1451,7 @@
           <a:p>
             <a:fld id="{9C0A85BC-AD8C-4F5E-B798-29AA35673BF4}" type="datetimeFigureOut">
               <a:rPr lang="id-ID" smtClean="0"/>
-              <a:t>28/01/2024</a:t>
+              <a:t>20/02/2024</a:t>
             </a:fld>
             <a:endParaRPr lang="id-ID"/>
           </a:p>
@@ -1862,7 +1867,7 @@
           <a:p>
             <a:fld id="{9C0A85BC-AD8C-4F5E-B798-29AA35673BF4}" type="datetimeFigureOut">
               <a:rPr lang="id-ID" smtClean="0"/>
-              <a:t>28/01/2024</a:t>
+              <a:t>20/02/2024</a:t>
             </a:fld>
             <a:endParaRPr lang="id-ID"/>
           </a:p>
@@ -2011,7 +2016,7 @@
           <a:p>
             <a:fld id="{9C0A85BC-AD8C-4F5E-B798-29AA35673BF4}" type="datetimeFigureOut">
               <a:rPr lang="id-ID" smtClean="0"/>
-              <a:t>28/01/2024</a:t>
+              <a:t>20/02/2024</a:t>
             </a:fld>
             <a:endParaRPr lang="id-ID"/>
           </a:p>
@@ -2137,7 +2142,7 @@
           <a:p>
             <a:fld id="{9C0A85BC-AD8C-4F5E-B798-29AA35673BF4}" type="datetimeFigureOut">
               <a:rPr lang="id-ID" smtClean="0"/>
-              <a:t>28/01/2024</a:t>
+              <a:t>20/02/2024</a:t>
             </a:fld>
             <a:endParaRPr lang="id-ID"/>
           </a:p>
@@ -2388,7 +2393,7 @@
           <a:p>
             <a:fld id="{9C0A85BC-AD8C-4F5E-B798-29AA35673BF4}" type="datetimeFigureOut">
               <a:rPr lang="id-ID" smtClean="0"/>
-              <a:t>28/01/2024</a:t>
+              <a:t>20/02/2024</a:t>
             </a:fld>
             <a:endParaRPr lang="id-ID"/>
           </a:p>
@@ -2833,7 +2838,7 @@
           <a:p>
             <a:fld id="{9C0A85BC-AD8C-4F5E-B798-29AA35673BF4}" type="datetimeFigureOut">
               <a:rPr lang="id-ID" smtClean="0"/>
-              <a:t>28/01/2024</a:t>
+              <a:t>20/02/2024</a:t>
             </a:fld>
             <a:endParaRPr lang="id-ID"/>
           </a:p>
@@ -3160,7 +3165,7 @@
           <a:p>
             <a:fld id="{9C0A85BC-AD8C-4F5E-B798-29AA35673BF4}" type="datetimeFigureOut">
               <a:rPr lang="id-ID" smtClean="0"/>
-              <a:t>28/01/2024</a:t>
+              <a:t>20/02/2024</a:t>
             </a:fld>
             <a:endParaRPr lang="id-ID"/>
           </a:p>
@@ -6070,8 +6075,8 @@
           </a:p>
         </p:txBody>
       </p:sp>
-      <mc:AlternateContent xmlns:mc="http://schemas.openxmlformats.org/markup-compatibility/2006">
-        <mc:Choice xmlns:a14="http://schemas.microsoft.com/office/drawing/2010/main" Requires="a14">
+      <mc:AlternateContent xmlns:mc="http://schemas.openxmlformats.org/markup-compatibility/2006" xmlns:a14="http://schemas.microsoft.com/office/drawing/2010/main">
+        <mc:Choice Requires="a14">
           <p:sp>
             <p:nvSpPr>
               <p:cNvPr id="3" name="Content Placeholder 2">
@@ -7238,7 +7243,7 @@
             </p:txBody>
           </p:sp>
         </mc:Choice>
-        <mc:Fallback>
+        <mc:Fallback xmlns="">
           <p:sp>
             <p:nvSpPr>
               <p:cNvPr id="3" name="Content Placeholder 2">
@@ -7282,8 +7287,8 @@
           </p:sp>
         </mc:Fallback>
       </mc:AlternateContent>
-      <mc:AlternateContent xmlns:mc="http://schemas.openxmlformats.org/markup-compatibility/2006">
-        <mc:Choice xmlns:a14="http://schemas.microsoft.com/office/drawing/2010/main" Requires="a14">
+      <mc:AlternateContent xmlns:mc="http://schemas.openxmlformats.org/markup-compatibility/2006" xmlns:a14="http://schemas.microsoft.com/office/drawing/2010/main">
+        <mc:Choice Requires="a14">
           <p:sp>
             <p:nvSpPr>
               <p:cNvPr id="4" name="Content Placeholder 2">
@@ -7872,7 +7877,7 @@
             </p:txBody>
           </p:sp>
         </mc:Choice>
-        <mc:Fallback>
+        <mc:Fallback xmlns="">
           <p:sp>
             <p:nvSpPr>
               <p:cNvPr id="4" name="Content Placeholder 2">
@@ -15916,7 +15921,7 @@
             <p:ph idx="1"/>
             <p:extLst>
               <p:ext uri="{D42A27DB-BD31-4B8C-83A1-F6EECF244321}">
-                <p14:modId xmlns:p14="http://schemas.microsoft.com/office/powerpoint/2010/main" val="4087769286"/>
+                <p14:modId xmlns:p14="http://schemas.microsoft.com/office/powerpoint/2010/main" val="1147627700"/>
               </p:ext>
             </p:extLst>
           </p:nvPr>
@@ -16208,14 +16213,14 @@
                         </a:spcAft>
                       </a:pPr>
                       <a:r>
-                        <a:rPr lang="en-ID" sz="1400">
-                          <a:effectLst/>
-                          <a:latin typeface="Times New Roman" panose="02020603050405020304" pitchFamily="18" charset="0"/>
-                          <a:cs typeface="Times New Roman" panose="02020603050405020304" pitchFamily="18" charset="0"/>
-                        </a:rPr>
-                        <a:t>0,1986</a:t>
-                      </a:r>
-                      <a:endParaRPr lang="id-ID" sz="1400">
+                        <a:rPr lang="en-ID" sz="1400" dirty="0">
+                          <a:effectLst/>
+                          <a:latin typeface="Times New Roman" panose="02020603050405020304" pitchFamily="18" charset="0"/>
+                          <a:cs typeface="Times New Roman" panose="02020603050405020304" pitchFamily="18" charset="0"/>
+                        </a:rPr>
+                        <a:t>0,1249</a:t>
+                      </a:r>
+                      <a:endParaRPr lang="id-ID" sz="1400" dirty="0">
                         <a:solidFill>
                           <a:srgbClr val="000000"/>
                         </a:solidFill>
@@ -16363,14 +16368,14 @@
                         </a:spcAft>
                       </a:pPr>
                       <a:r>
-                        <a:rPr lang="en-ID" sz="1400">
-                          <a:effectLst/>
-                          <a:latin typeface="Times New Roman" panose="02020603050405020304" pitchFamily="18" charset="0"/>
-                          <a:cs typeface="Times New Roman" panose="02020603050405020304" pitchFamily="18" charset="0"/>
-                        </a:rPr>
-                        <a:t>0,1986</a:t>
-                      </a:r>
-                      <a:endParaRPr lang="id-ID" sz="1400">
+                        <a:rPr lang="en-ID" sz="1400" dirty="0">
+                          <a:effectLst/>
+                          <a:latin typeface="Times New Roman" panose="02020603050405020304" pitchFamily="18" charset="0"/>
+                          <a:cs typeface="Times New Roman" panose="02020603050405020304" pitchFamily="18" charset="0"/>
+                        </a:rPr>
+                        <a:t>0,1249</a:t>
+                      </a:r>
+                      <a:endParaRPr lang="id-ID" sz="1400" dirty="0">
                         <a:solidFill>
                           <a:srgbClr val="000000"/>
                         </a:solidFill>
@@ -16518,14 +16523,14 @@
                         </a:spcAft>
                       </a:pPr>
                       <a:r>
-                        <a:rPr lang="en-ID" sz="1400">
-                          <a:effectLst/>
-                          <a:latin typeface="Times New Roman" panose="02020603050405020304" pitchFamily="18" charset="0"/>
-                          <a:cs typeface="Times New Roman" panose="02020603050405020304" pitchFamily="18" charset="0"/>
-                        </a:rPr>
-                        <a:t>0,1986</a:t>
-                      </a:r>
-                      <a:endParaRPr lang="id-ID" sz="1400">
+                        <a:rPr lang="en-ID" sz="1400" dirty="0">
+                          <a:effectLst/>
+                          <a:latin typeface="Times New Roman" panose="02020603050405020304" pitchFamily="18" charset="0"/>
+                          <a:cs typeface="Times New Roman" panose="02020603050405020304" pitchFamily="18" charset="0"/>
+                        </a:rPr>
+                        <a:t>0,1249</a:t>
+                      </a:r>
+                      <a:endParaRPr lang="id-ID" sz="1400" dirty="0">
                         <a:solidFill>
                           <a:srgbClr val="000000"/>
                         </a:solidFill>
@@ -16673,14 +16678,14 @@
                         </a:spcAft>
                       </a:pPr>
                       <a:r>
-                        <a:rPr lang="en-ID" sz="1400">
-                          <a:effectLst/>
-                          <a:latin typeface="Times New Roman" panose="02020603050405020304" pitchFamily="18" charset="0"/>
-                          <a:cs typeface="Times New Roman" panose="02020603050405020304" pitchFamily="18" charset="0"/>
-                        </a:rPr>
-                        <a:t>0,1986</a:t>
-                      </a:r>
-                      <a:endParaRPr lang="id-ID" sz="1400">
+                        <a:rPr lang="en-ID" sz="1400" dirty="0">
+                          <a:effectLst/>
+                          <a:latin typeface="Times New Roman" panose="02020603050405020304" pitchFamily="18" charset="0"/>
+                          <a:cs typeface="Times New Roman" panose="02020603050405020304" pitchFamily="18" charset="0"/>
+                        </a:rPr>
+                        <a:t>0,1249</a:t>
+                      </a:r>
+                      <a:endParaRPr lang="id-ID" sz="1400" dirty="0">
                         <a:solidFill>
                           <a:srgbClr val="000000"/>
                         </a:solidFill>
@@ -16828,14 +16833,14 @@
                         </a:spcAft>
                       </a:pPr>
                       <a:r>
-                        <a:rPr lang="en-ID" sz="1400">
-                          <a:effectLst/>
-                          <a:latin typeface="Times New Roman" panose="02020603050405020304" pitchFamily="18" charset="0"/>
-                          <a:cs typeface="Times New Roman" panose="02020603050405020304" pitchFamily="18" charset="0"/>
-                        </a:rPr>
-                        <a:t>0,1986</a:t>
-                      </a:r>
-                      <a:endParaRPr lang="id-ID" sz="1400">
+                        <a:rPr lang="en-ID" sz="1400" dirty="0">
+                          <a:effectLst/>
+                          <a:latin typeface="Times New Roman" panose="02020603050405020304" pitchFamily="18" charset="0"/>
+                          <a:cs typeface="Times New Roman" panose="02020603050405020304" pitchFamily="18" charset="0"/>
+                        </a:rPr>
+                        <a:t>0,1249</a:t>
+                      </a:r>
+                      <a:endParaRPr lang="id-ID" sz="1400" dirty="0">
                         <a:solidFill>
                           <a:srgbClr val="000000"/>
                         </a:solidFill>
@@ -16983,14 +16988,14 @@
                         </a:spcAft>
                       </a:pPr>
                       <a:r>
-                        <a:rPr lang="en-ID" sz="1400">
-                          <a:effectLst/>
-                          <a:latin typeface="Times New Roman" panose="02020603050405020304" pitchFamily="18" charset="0"/>
-                          <a:cs typeface="Times New Roman" panose="02020603050405020304" pitchFamily="18" charset="0"/>
-                        </a:rPr>
-                        <a:t>0,1986</a:t>
-                      </a:r>
-                      <a:endParaRPr lang="id-ID" sz="1400">
+                        <a:rPr lang="en-ID" sz="1400" dirty="0">
+                          <a:effectLst/>
+                          <a:latin typeface="Times New Roman" panose="02020603050405020304" pitchFamily="18" charset="0"/>
+                          <a:cs typeface="Times New Roman" panose="02020603050405020304" pitchFamily="18" charset="0"/>
+                        </a:rPr>
+                        <a:t>0,1249</a:t>
+                      </a:r>
+                      <a:endParaRPr lang="id-ID" sz="1400" dirty="0">
                         <a:solidFill>
                           <a:srgbClr val="000000"/>
                         </a:solidFill>
@@ -17138,14 +17143,14 @@
                         </a:spcAft>
                       </a:pPr>
                       <a:r>
-                        <a:rPr lang="en-ID" sz="1400">
-                          <a:effectLst/>
-                          <a:latin typeface="Times New Roman" panose="02020603050405020304" pitchFamily="18" charset="0"/>
-                          <a:cs typeface="Times New Roman" panose="02020603050405020304" pitchFamily="18" charset="0"/>
-                        </a:rPr>
-                        <a:t>0,1986</a:t>
-                      </a:r>
-                      <a:endParaRPr lang="id-ID" sz="1400">
+                        <a:rPr lang="en-ID" sz="1400" dirty="0">
+                          <a:effectLst/>
+                          <a:latin typeface="Times New Roman" panose="02020603050405020304" pitchFamily="18" charset="0"/>
+                          <a:cs typeface="Times New Roman" panose="02020603050405020304" pitchFamily="18" charset="0"/>
+                        </a:rPr>
+                        <a:t>0,1249</a:t>
+                      </a:r>
+                      <a:endParaRPr lang="id-ID" sz="1400" dirty="0">
                         <a:solidFill>
                           <a:srgbClr val="000000"/>
                         </a:solidFill>
@@ -17293,14 +17298,14 @@
                         </a:spcAft>
                       </a:pPr>
                       <a:r>
-                        <a:rPr lang="en-ID" sz="1400">
-                          <a:effectLst/>
-                          <a:latin typeface="Times New Roman" panose="02020603050405020304" pitchFamily="18" charset="0"/>
-                          <a:cs typeface="Times New Roman" panose="02020603050405020304" pitchFamily="18" charset="0"/>
-                        </a:rPr>
-                        <a:t>0,1986</a:t>
-                      </a:r>
-                      <a:endParaRPr lang="id-ID" sz="1400">
+                        <a:rPr lang="en-ID" sz="1400" dirty="0">
+                          <a:effectLst/>
+                          <a:latin typeface="Times New Roman" panose="02020603050405020304" pitchFamily="18" charset="0"/>
+                          <a:cs typeface="Times New Roman" panose="02020603050405020304" pitchFamily="18" charset="0"/>
+                        </a:rPr>
+                        <a:t>0,1249</a:t>
+                      </a:r>
+                      <a:endParaRPr lang="id-ID" sz="1400" dirty="0">
                         <a:solidFill>
                           <a:srgbClr val="000000"/>
                         </a:solidFill>
@@ -17448,14 +17453,14 @@
                         </a:spcAft>
                       </a:pPr>
                       <a:r>
-                        <a:rPr lang="en-ID" sz="1400">
-                          <a:effectLst/>
-                          <a:latin typeface="Times New Roman" panose="02020603050405020304" pitchFamily="18" charset="0"/>
-                          <a:cs typeface="Times New Roman" panose="02020603050405020304" pitchFamily="18" charset="0"/>
-                        </a:rPr>
-                        <a:t>0,1986</a:t>
-                      </a:r>
-                      <a:endParaRPr lang="id-ID" sz="1400">
+                        <a:rPr lang="en-ID" sz="1400" dirty="0">
+                          <a:effectLst/>
+                          <a:latin typeface="Times New Roman" panose="02020603050405020304" pitchFamily="18" charset="0"/>
+                          <a:cs typeface="Times New Roman" panose="02020603050405020304" pitchFamily="18" charset="0"/>
+                        </a:rPr>
+                        <a:t>0,1249</a:t>
+                      </a:r>
+                      <a:endParaRPr lang="id-ID" sz="1400" dirty="0">
                         <a:solidFill>
                           <a:srgbClr val="000000"/>
                         </a:solidFill>
@@ -17603,14 +17608,14 @@
                         </a:spcAft>
                       </a:pPr>
                       <a:r>
-                        <a:rPr lang="en-ID" sz="1400">
-                          <a:effectLst/>
-                          <a:latin typeface="Times New Roman" panose="02020603050405020304" pitchFamily="18" charset="0"/>
-                          <a:cs typeface="Times New Roman" panose="02020603050405020304" pitchFamily="18" charset="0"/>
-                        </a:rPr>
-                        <a:t>0,1986</a:t>
-                      </a:r>
-                      <a:endParaRPr lang="id-ID" sz="1400">
+                        <a:rPr lang="en-ID" sz="1400" dirty="0">
+                          <a:effectLst/>
+                          <a:latin typeface="Times New Roman" panose="02020603050405020304" pitchFamily="18" charset="0"/>
+                          <a:cs typeface="Times New Roman" panose="02020603050405020304" pitchFamily="18" charset="0"/>
+                        </a:rPr>
+                        <a:t>0,1249</a:t>
+                      </a:r>
+                      <a:endParaRPr lang="id-ID" sz="1400" dirty="0">
                         <a:solidFill>
                           <a:srgbClr val="000000"/>
                         </a:solidFill>
@@ -19668,8 +19673,8 @@
           </a:p>
         </p:txBody>
       </p:sp>
-      <mc:AlternateContent xmlns:mc="http://schemas.openxmlformats.org/markup-compatibility/2006">
-        <mc:Choice xmlns:a14="http://schemas.microsoft.com/office/drawing/2010/main" Requires="a14">
+      <mc:AlternateContent xmlns:mc="http://schemas.openxmlformats.org/markup-compatibility/2006" xmlns:a14="http://schemas.microsoft.com/office/drawing/2010/main">
+        <mc:Choice Requires="a14">
           <p:sp>
             <p:nvSpPr>
               <p:cNvPr id="3" name="Content Placeholder 2">
@@ -19701,181 +19706,255 @@
                 <a14:m>
                   <m:oMath xmlns:m="http://schemas.openxmlformats.org/officeDocument/2006/math">
                     <m:r>
-                      <a:rPr lang="en-ID" i="1"/>
+                      <a:rPr lang="en-ID" i="1">
+                        <a:latin typeface="Cambria Math" panose="02040503050406030204" pitchFamily="18" charset="0"/>
+                      </a:rPr>
                       <m:t>𝑆𝑈𝑆</m:t>
                     </m:r>
                     <m:r>
-                      <a:rPr lang="en-ID"/>
+                      <a:rPr lang="en-ID">
+                        <a:latin typeface="Cambria Math" panose="02040503050406030204" pitchFamily="18" charset="0"/>
+                      </a:rPr>
                       <m:t> =((</m:t>
                     </m:r>
                     <m:r>
                       <m:rPr>
                         <m:sty m:val="p"/>
                       </m:rPr>
-                      <a:rPr lang="en-ID"/>
+                      <a:rPr lang="en-ID">
+                        <a:latin typeface="Cambria Math" panose="02040503050406030204" pitchFamily="18" charset="0"/>
+                      </a:rPr>
                       <m:t>Q</m:t>
                     </m:r>
                     <m:r>
-                      <a:rPr lang="en-ID"/>
+                      <a:rPr lang="en-ID">
+                        <a:latin typeface="Cambria Math" panose="02040503050406030204" pitchFamily="18" charset="0"/>
+                      </a:rPr>
                       <m:t>1</m:t>
                     </m:r>
                     <m:r>
-                      <a:rPr lang="en-ID" i="1"/>
+                      <a:rPr lang="en-ID" i="1">
+                        <a:latin typeface="Cambria Math" panose="02040503050406030204" pitchFamily="18" charset="0"/>
+                      </a:rPr>
                       <m:t>−</m:t>
                     </m:r>
                     <m:r>
-                      <a:rPr lang="en-ID"/>
+                      <a:rPr lang="en-ID">
+                        <a:latin typeface="Cambria Math" panose="02040503050406030204" pitchFamily="18" charset="0"/>
+                      </a:rPr>
                       <m:t>1)+(5</m:t>
                     </m:r>
                     <m:r>
-                      <a:rPr lang="en-ID" i="1"/>
+                      <a:rPr lang="en-ID" i="1">
+                        <a:latin typeface="Cambria Math" panose="02040503050406030204" pitchFamily="18" charset="0"/>
+                      </a:rPr>
                       <m:t>−</m:t>
                     </m:r>
                     <m:r>
                       <m:rPr>
                         <m:sty m:val="p"/>
                       </m:rPr>
-                      <a:rPr lang="en-ID"/>
+                      <a:rPr lang="en-ID">
+                        <a:latin typeface="Cambria Math" panose="02040503050406030204" pitchFamily="18" charset="0"/>
+                      </a:rPr>
                       <m:t>Q</m:t>
                     </m:r>
                     <m:r>
-                      <a:rPr lang="en-ID"/>
+                      <a:rPr lang="en-ID">
+                        <a:latin typeface="Cambria Math" panose="02040503050406030204" pitchFamily="18" charset="0"/>
+                      </a:rPr>
                       <m:t>2)+(</m:t>
                     </m:r>
                     <m:r>
                       <m:rPr>
                         <m:sty m:val="p"/>
                       </m:rPr>
-                      <a:rPr lang="en-ID"/>
+                      <a:rPr lang="en-ID">
+                        <a:latin typeface="Cambria Math" panose="02040503050406030204" pitchFamily="18" charset="0"/>
+                      </a:rPr>
                       <m:t>Q</m:t>
                     </m:r>
                     <m:r>
-                      <a:rPr lang="en-ID"/>
+                      <a:rPr lang="en-ID">
+                        <a:latin typeface="Cambria Math" panose="02040503050406030204" pitchFamily="18" charset="0"/>
+                      </a:rPr>
                       <m:t>3</m:t>
                     </m:r>
                     <m:r>
-                      <a:rPr lang="en-ID" i="1"/>
+                      <a:rPr lang="en-ID" i="1">
+                        <a:latin typeface="Cambria Math" panose="02040503050406030204" pitchFamily="18" charset="0"/>
+                      </a:rPr>
                       <m:t>−</m:t>
                     </m:r>
                     <m:r>
-                      <a:rPr lang="en-ID"/>
+                      <a:rPr lang="en-ID">
+                        <a:latin typeface="Cambria Math" panose="02040503050406030204" pitchFamily="18" charset="0"/>
+                      </a:rPr>
                       <m:t>1)+(5</m:t>
                     </m:r>
                     <m:r>
-                      <a:rPr lang="en-ID" i="1"/>
+                      <a:rPr lang="en-ID" i="1">
+                        <a:latin typeface="Cambria Math" panose="02040503050406030204" pitchFamily="18" charset="0"/>
+                      </a:rPr>
                       <m:t>−</m:t>
                     </m:r>
                     <m:r>
                       <m:rPr>
                         <m:sty m:val="p"/>
                       </m:rPr>
-                      <a:rPr lang="en-ID"/>
+                      <a:rPr lang="en-ID">
+                        <a:latin typeface="Cambria Math" panose="02040503050406030204" pitchFamily="18" charset="0"/>
+                      </a:rPr>
                       <m:t>Q</m:t>
                     </m:r>
                     <m:r>
-                      <a:rPr lang="en-ID"/>
+                      <a:rPr lang="en-ID">
+                        <a:latin typeface="Cambria Math" panose="02040503050406030204" pitchFamily="18" charset="0"/>
+                      </a:rPr>
                       <m:t>4)+(</m:t>
                     </m:r>
                     <m:r>
                       <m:rPr>
                         <m:sty m:val="p"/>
                       </m:rPr>
-                      <a:rPr lang="en-ID"/>
+                      <a:rPr lang="en-ID">
+                        <a:latin typeface="Cambria Math" panose="02040503050406030204" pitchFamily="18" charset="0"/>
+                      </a:rPr>
                       <m:t>Q</m:t>
                     </m:r>
                     <m:r>
-                      <a:rPr lang="en-ID"/>
+                      <a:rPr lang="en-ID">
+                        <a:latin typeface="Cambria Math" panose="02040503050406030204" pitchFamily="18" charset="0"/>
+                      </a:rPr>
                       <m:t>5</m:t>
                     </m:r>
                     <m:r>
-                      <a:rPr lang="en-ID" i="1"/>
+                      <a:rPr lang="en-ID" i="1">
+                        <a:latin typeface="Cambria Math" panose="02040503050406030204" pitchFamily="18" charset="0"/>
+                      </a:rPr>
                       <m:t>−</m:t>
                     </m:r>
                     <m:r>
-                      <a:rPr lang="en-ID"/>
+                      <a:rPr lang="en-ID">
+                        <a:latin typeface="Cambria Math" panose="02040503050406030204" pitchFamily="18" charset="0"/>
+                      </a:rPr>
                       <m:t>1)+(5</m:t>
                     </m:r>
                     <m:r>
-                      <a:rPr lang="en-ID" i="1"/>
+                      <a:rPr lang="en-ID" i="1">
+                        <a:latin typeface="Cambria Math" panose="02040503050406030204" pitchFamily="18" charset="0"/>
+                      </a:rPr>
                       <m:t>−</m:t>
                     </m:r>
                     <m:r>
                       <m:rPr>
                         <m:sty m:val="p"/>
                       </m:rPr>
-                      <a:rPr lang="en-ID"/>
+                      <a:rPr lang="en-ID">
+                        <a:latin typeface="Cambria Math" panose="02040503050406030204" pitchFamily="18" charset="0"/>
+                      </a:rPr>
                       <m:t>Q</m:t>
                     </m:r>
                     <m:r>
-                      <a:rPr lang="en-ID"/>
+                      <a:rPr lang="en-ID">
+                        <a:latin typeface="Cambria Math" panose="02040503050406030204" pitchFamily="18" charset="0"/>
+                      </a:rPr>
                       <m:t>6)+(</m:t>
                     </m:r>
                     <m:r>
                       <m:rPr>
                         <m:sty m:val="p"/>
                       </m:rPr>
-                      <a:rPr lang="en-ID"/>
+                      <a:rPr lang="en-ID">
+                        <a:latin typeface="Cambria Math" panose="02040503050406030204" pitchFamily="18" charset="0"/>
+                      </a:rPr>
                       <m:t>Q</m:t>
                     </m:r>
                     <m:r>
-                      <a:rPr lang="en-ID"/>
+                      <a:rPr lang="en-ID">
+                        <a:latin typeface="Cambria Math" panose="02040503050406030204" pitchFamily="18" charset="0"/>
+                      </a:rPr>
                       <m:t>7</m:t>
                     </m:r>
                     <m:r>
-                      <a:rPr lang="en-ID" i="1"/>
+                      <a:rPr lang="en-ID" i="1">
+                        <a:latin typeface="Cambria Math" panose="02040503050406030204" pitchFamily="18" charset="0"/>
+                      </a:rPr>
                       <m:t>−</m:t>
                     </m:r>
                     <m:r>
-                      <a:rPr lang="en-ID"/>
+                      <a:rPr lang="en-ID">
+                        <a:latin typeface="Cambria Math" panose="02040503050406030204" pitchFamily="18" charset="0"/>
+                      </a:rPr>
                       <m:t>1)+(5</m:t>
                     </m:r>
                     <m:r>
-                      <a:rPr lang="en-ID" i="1"/>
+                      <a:rPr lang="en-ID" i="1">
+                        <a:latin typeface="Cambria Math" panose="02040503050406030204" pitchFamily="18" charset="0"/>
+                      </a:rPr>
                       <m:t>−</m:t>
                     </m:r>
                     <m:r>
                       <m:rPr>
                         <m:sty m:val="p"/>
                       </m:rPr>
-                      <a:rPr lang="en-ID"/>
+                      <a:rPr lang="en-ID">
+                        <a:latin typeface="Cambria Math" panose="02040503050406030204" pitchFamily="18" charset="0"/>
+                      </a:rPr>
                       <m:t>Q</m:t>
                     </m:r>
                     <m:r>
-                      <a:rPr lang="en-ID"/>
+                      <a:rPr lang="en-ID">
+                        <a:latin typeface="Cambria Math" panose="02040503050406030204" pitchFamily="18" charset="0"/>
+                      </a:rPr>
                       <m:t>8)+(</m:t>
                     </m:r>
                     <m:r>
                       <m:rPr>
                         <m:sty m:val="p"/>
                       </m:rPr>
-                      <a:rPr lang="en-ID"/>
+                      <a:rPr lang="en-ID">
+                        <a:latin typeface="Cambria Math" panose="02040503050406030204" pitchFamily="18" charset="0"/>
+                      </a:rPr>
                       <m:t>Q</m:t>
                     </m:r>
                     <m:r>
-                      <a:rPr lang="en-ID"/>
+                      <a:rPr lang="en-ID">
+                        <a:latin typeface="Cambria Math" panose="02040503050406030204" pitchFamily="18" charset="0"/>
+                      </a:rPr>
                       <m:t>9</m:t>
                     </m:r>
                     <m:r>
-                      <a:rPr lang="en-ID" i="1"/>
+                      <a:rPr lang="en-ID" i="1">
+                        <a:latin typeface="Cambria Math" panose="02040503050406030204" pitchFamily="18" charset="0"/>
+                      </a:rPr>
                       <m:t>−</m:t>
                     </m:r>
                     <m:r>
-                      <a:rPr lang="en-ID"/>
+                      <a:rPr lang="en-ID">
+                        <a:latin typeface="Cambria Math" panose="02040503050406030204" pitchFamily="18" charset="0"/>
+                      </a:rPr>
                       <m:t>1)+(5</m:t>
                     </m:r>
                     <m:r>
-                      <a:rPr lang="en-ID" i="1"/>
+                      <a:rPr lang="en-ID" i="1">
+                        <a:latin typeface="Cambria Math" panose="02040503050406030204" pitchFamily="18" charset="0"/>
+                      </a:rPr>
                       <m:t>−</m:t>
                     </m:r>
                     <m:r>
                       <m:rPr>
                         <m:sty m:val="p"/>
                       </m:rPr>
-                      <a:rPr lang="en-ID"/>
+                      <a:rPr lang="en-ID">
+                        <a:latin typeface="Cambria Math" panose="02040503050406030204" pitchFamily="18" charset="0"/>
+                      </a:rPr>
                       <m:t>Q</m:t>
                     </m:r>
                     <m:r>
-                      <a:rPr lang="en-ID"/>
+                      <a:rPr lang="en-ID">
+                        <a:latin typeface="Cambria Math" panose="02040503050406030204" pitchFamily="18" charset="0"/>
+                      </a:rPr>
                       <m:t>10)) × 2,5</m:t>
                     </m:r>
                   </m:oMath>
@@ -19889,91 +19968,135 @@
                 <a14:m>
                   <m:oMath xmlns:m="http://schemas.openxmlformats.org/officeDocument/2006/math">
                     <m:r>
-                      <a:rPr lang="en-ID" i="1"/>
+                      <a:rPr lang="en-ID" i="1">
+                        <a:latin typeface="Cambria Math" panose="02040503050406030204" pitchFamily="18" charset="0"/>
+                      </a:rPr>
                       <m:t>𝑆𝑈𝑆</m:t>
                     </m:r>
                     <m:r>
-                      <a:rPr lang="en-ID"/>
+                      <a:rPr lang="en-ID">
+                        <a:latin typeface="Cambria Math" panose="02040503050406030204" pitchFamily="18" charset="0"/>
+                      </a:rPr>
                       <m:t> =((2</m:t>
                     </m:r>
                     <m:r>
-                      <a:rPr lang="en-ID" i="1"/>
+                      <a:rPr lang="en-ID" i="1">
+                        <a:latin typeface="Cambria Math" panose="02040503050406030204" pitchFamily="18" charset="0"/>
+                      </a:rPr>
                       <m:t>−</m:t>
                     </m:r>
                     <m:r>
-                      <a:rPr lang="en-ID"/>
+                      <a:rPr lang="en-ID">
+                        <a:latin typeface="Cambria Math" panose="02040503050406030204" pitchFamily="18" charset="0"/>
+                      </a:rPr>
                       <m:t>1)+(5</m:t>
                     </m:r>
                     <m:r>
-                      <a:rPr lang="en-ID" i="1"/>
+                      <a:rPr lang="en-ID" i="1">
+                        <a:latin typeface="Cambria Math" panose="02040503050406030204" pitchFamily="18" charset="0"/>
+                      </a:rPr>
                       <m:t>−</m:t>
                     </m:r>
                     <m:r>
-                      <a:rPr lang="en-ID"/>
+                      <a:rPr lang="en-ID">
+                        <a:latin typeface="Cambria Math" panose="02040503050406030204" pitchFamily="18" charset="0"/>
+                      </a:rPr>
                       <m:t>4)+(3</m:t>
                     </m:r>
                     <m:r>
-                      <a:rPr lang="en-ID" i="1"/>
+                      <a:rPr lang="en-ID" i="1">
+                        <a:latin typeface="Cambria Math" panose="02040503050406030204" pitchFamily="18" charset="0"/>
+                      </a:rPr>
                       <m:t>−</m:t>
                     </m:r>
                     <m:r>
-                      <a:rPr lang="en-ID"/>
+                      <a:rPr lang="en-ID">
+                        <a:latin typeface="Cambria Math" panose="02040503050406030204" pitchFamily="18" charset="0"/>
+                      </a:rPr>
                       <m:t>1)+(5</m:t>
                     </m:r>
                     <m:r>
-                      <a:rPr lang="en-ID" i="1"/>
+                      <a:rPr lang="en-ID" i="1">
+                        <a:latin typeface="Cambria Math" panose="02040503050406030204" pitchFamily="18" charset="0"/>
+                      </a:rPr>
                       <m:t>−</m:t>
                     </m:r>
                     <m:r>
-                      <a:rPr lang="en-ID"/>
+                      <a:rPr lang="en-ID">
+                        <a:latin typeface="Cambria Math" panose="02040503050406030204" pitchFamily="18" charset="0"/>
+                      </a:rPr>
                       <m:t>2)+(2</m:t>
                     </m:r>
                     <m:r>
-                      <a:rPr lang="en-ID" i="1"/>
+                      <a:rPr lang="en-ID" i="1">
+                        <a:latin typeface="Cambria Math" panose="02040503050406030204" pitchFamily="18" charset="0"/>
+                      </a:rPr>
                       <m:t>−</m:t>
                     </m:r>
                     <m:r>
-                      <a:rPr lang="en-ID"/>
+                      <a:rPr lang="en-ID">
+                        <a:latin typeface="Cambria Math" panose="02040503050406030204" pitchFamily="18" charset="0"/>
+                      </a:rPr>
                       <m:t>1)+(5</m:t>
                     </m:r>
                     <m:r>
-                      <a:rPr lang="en-ID" i="1"/>
+                      <a:rPr lang="en-ID" i="1">
+                        <a:latin typeface="Cambria Math" panose="02040503050406030204" pitchFamily="18" charset="0"/>
+                      </a:rPr>
                       <m:t>−</m:t>
                     </m:r>
                     <m:r>
-                      <a:rPr lang="en-ID"/>
+                      <a:rPr lang="en-ID">
+                        <a:latin typeface="Cambria Math" panose="02040503050406030204" pitchFamily="18" charset="0"/>
+                      </a:rPr>
                       <m:t>4)+(2</m:t>
                     </m:r>
                     <m:r>
-                      <a:rPr lang="en-ID" i="1"/>
+                      <a:rPr lang="en-ID" i="1">
+                        <a:latin typeface="Cambria Math" panose="02040503050406030204" pitchFamily="18" charset="0"/>
+                      </a:rPr>
                       <m:t>−</m:t>
                     </m:r>
                     <m:r>
-                      <a:rPr lang="en-ID"/>
+                      <a:rPr lang="en-ID">
+                        <a:latin typeface="Cambria Math" panose="02040503050406030204" pitchFamily="18" charset="0"/>
+                      </a:rPr>
                       <m:t>1)+(5</m:t>
                     </m:r>
                     <m:r>
-                      <a:rPr lang="en-ID" i="1"/>
+                      <a:rPr lang="en-ID" i="1">
+                        <a:latin typeface="Cambria Math" panose="02040503050406030204" pitchFamily="18" charset="0"/>
+                      </a:rPr>
                       <m:t>−</m:t>
                     </m:r>
                     <m:r>
-                      <a:rPr lang="en-ID"/>
+                      <a:rPr lang="en-ID">
+                        <a:latin typeface="Cambria Math" panose="02040503050406030204" pitchFamily="18" charset="0"/>
+                      </a:rPr>
                       <m:t>2)+(2</m:t>
                     </m:r>
                     <m:r>
-                      <a:rPr lang="en-ID" i="1"/>
+                      <a:rPr lang="en-ID" i="1">
+                        <a:latin typeface="Cambria Math" panose="02040503050406030204" pitchFamily="18" charset="0"/>
+                      </a:rPr>
                       <m:t>−</m:t>
                     </m:r>
                     <m:r>
-                      <a:rPr lang="en-ID"/>
+                      <a:rPr lang="en-ID">
+                        <a:latin typeface="Cambria Math" panose="02040503050406030204" pitchFamily="18" charset="0"/>
+                      </a:rPr>
                       <m:t>1)+(5</m:t>
                     </m:r>
                     <m:r>
-                      <a:rPr lang="en-ID" i="1"/>
+                      <a:rPr lang="en-ID" i="1">
+                        <a:latin typeface="Cambria Math" panose="02040503050406030204" pitchFamily="18" charset="0"/>
+                      </a:rPr>
                       <m:t>−</m:t>
                     </m:r>
                     <m:r>
-                      <a:rPr lang="en-ID"/>
+                      <a:rPr lang="en-ID">
+                        <a:latin typeface="Cambria Math" panose="02040503050406030204" pitchFamily="18" charset="0"/>
+                      </a:rPr>
                       <m:t>2)) × 2,5</m:t>
                     </m:r>
                   </m:oMath>
@@ -19987,11 +20110,15 @@
                 <a14:m>
                   <m:oMath xmlns:m="http://schemas.openxmlformats.org/officeDocument/2006/math">
                     <m:r>
-                      <a:rPr lang="en-ID" i="1"/>
+                      <a:rPr lang="en-ID" i="1">
+                        <a:latin typeface="Cambria Math" panose="02040503050406030204" pitchFamily="18" charset="0"/>
+                      </a:rPr>
                       <m:t>𝑆𝑈𝑆</m:t>
                     </m:r>
                     <m:r>
-                      <a:rPr lang="en-ID"/>
+                      <a:rPr lang="en-ID">
+                        <a:latin typeface="Cambria Math" panose="02040503050406030204" pitchFamily="18" charset="0"/>
+                      </a:rPr>
                       <m:t> =(1+1+2+3+1+1+1+3+1+3) ×2,5</m:t>
                     </m:r>
                   </m:oMath>
@@ -20005,11 +20132,15 @@
                 <a14:m>
                   <m:oMath xmlns:m="http://schemas.openxmlformats.org/officeDocument/2006/math">
                     <m:r>
-                      <a:rPr lang="en-ID" i="1"/>
+                      <a:rPr lang="en-ID" i="1">
+                        <a:latin typeface="Cambria Math" panose="02040503050406030204" pitchFamily="18" charset="0"/>
+                      </a:rPr>
                       <m:t>𝑆𝑈𝑆</m:t>
                     </m:r>
                     <m:r>
-                      <a:rPr lang="en-ID"/>
+                      <a:rPr lang="en-ID">
+                        <a:latin typeface="Cambria Math" panose="02040503050406030204" pitchFamily="18" charset="0"/>
+                      </a:rPr>
                       <m:t> =18× 2,5</m:t>
                     </m:r>
                   </m:oMath>
@@ -20023,11 +20154,15 @@
                 <a14:m>
                   <m:oMath xmlns:m="http://schemas.openxmlformats.org/officeDocument/2006/math">
                     <m:r>
-                      <a:rPr lang="en-ID" i="1"/>
+                      <a:rPr lang="en-ID" i="1">
+                        <a:latin typeface="Cambria Math" panose="02040503050406030204" pitchFamily="18" charset="0"/>
+                      </a:rPr>
                       <m:t>𝑆𝑈𝑆</m:t>
                     </m:r>
                     <m:r>
-                      <a:rPr lang="en-ID"/>
+                      <a:rPr lang="en-ID">
+                        <a:latin typeface="Cambria Math" panose="02040503050406030204" pitchFamily="18" charset="0"/>
+                      </a:rPr>
                       <m:t> =45,0</m:t>
                     </m:r>
                   </m:oMath>
@@ -20040,7 +20175,7 @@
             </p:txBody>
           </p:sp>
         </mc:Choice>
-        <mc:Fallback>
+        <mc:Fallback xmlns="">
           <p:sp>
             <p:nvSpPr>
               <p:cNvPr id="3" name="Content Placeholder 2">
@@ -23475,8 +23610,8 @@
           </a:p>
         </p:txBody>
       </p:sp>
-      <mc:AlternateContent xmlns:mc="http://schemas.openxmlformats.org/markup-compatibility/2006">
-        <mc:Choice xmlns:a14="http://schemas.microsoft.com/office/drawing/2010/main" Requires="a14">
+      <mc:AlternateContent xmlns:mc="http://schemas.openxmlformats.org/markup-compatibility/2006" xmlns:a14="http://schemas.microsoft.com/office/drawing/2010/main">
+        <mc:Choice Requires="a14">
           <p:sp>
             <p:nvSpPr>
               <p:cNvPr id="3" name="Content Placeholder 2">
@@ -23649,7 +23784,7 @@
             </p:txBody>
           </p:sp>
         </mc:Choice>
-        <mc:Fallback>
+        <mc:Fallback xmlns="">
           <p:sp>
             <p:nvSpPr>
               <p:cNvPr id="3" name="Content Placeholder 2">
@@ -25846,12 +25981,80 @@
                         </a:spcAft>
                       </a:pPr>
                       <a:r>
+                        <a:rPr lang="en-ID" sz="1400" dirty="0">
+                          <a:effectLst/>
+                          <a:latin typeface="Times New Roman" panose="02020603050405020304" pitchFamily="18" charset="0"/>
+                          <a:cs typeface="Times New Roman" panose="02020603050405020304" pitchFamily="18" charset="0"/>
+                        </a:rPr>
+                        <a:t>51.7-62.6</a:t>
+                      </a:r>
+                      <a:endParaRPr lang="id-ID" sz="1400" dirty="0">
+                        <a:effectLst/>
+                        <a:latin typeface="Times New Roman" panose="02020603050405020304" pitchFamily="18" charset="0"/>
+                        <a:ea typeface="Times New Roman" panose="02020603050405020304" pitchFamily="18" charset="0"/>
+                        <a:cs typeface="Times New Roman" panose="02020603050405020304" pitchFamily="18" charset="0"/>
+                      </a:endParaRPr>
+                    </a:p>
+                  </a:txBody>
+                  <a:tcPr marL="68580" marR="68580" marT="0" marB="0" anchor="ctr"/>
+                </a:tc>
+                <a:tc>
+                  <a:txBody>
+                    <a:bodyPr/>
+                    <a:lstStyle/>
+                    <a:p>
+                      <a:pPr marL="0" marR="0" algn="ctr">
+                        <a:lnSpc>
+                          <a:spcPct val="150000"/>
+                        </a:lnSpc>
+                        <a:spcBef>
+                          <a:spcPts val="0"/>
+                        </a:spcBef>
+                        <a:spcAft>
+                          <a:spcPts val="0"/>
+                        </a:spcAft>
+                      </a:pPr>
+                      <a:r>
+                        <a:rPr lang="en-ID" sz="1400" dirty="0">
+                          <a:effectLst/>
+                          <a:latin typeface="Times New Roman" panose="02020603050405020304" pitchFamily="18" charset="0"/>
+                          <a:cs typeface="Times New Roman" panose="02020603050405020304" pitchFamily="18" charset="0"/>
+                        </a:rPr>
+                        <a:t>D</a:t>
+                      </a:r>
+                      <a:endParaRPr lang="id-ID" sz="1400" dirty="0">
+                        <a:effectLst/>
+                        <a:latin typeface="Times New Roman" panose="02020603050405020304" pitchFamily="18" charset="0"/>
+                        <a:ea typeface="Times New Roman" panose="02020603050405020304" pitchFamily="18" charset="0"/>
+                        <a:cs typeface="Times New Roman" panose="02020603050405020304" pitchFamily="18" charset="0"/>
+                      </a:endParaRPr>
+                    </a:p>
+                  </a:txBody>
+                  <a:tcPr marL="68580" marR="68580" marT="0" marB="0" anchor="ctr"/>
+                </a:tc>
+                <a:tc>
+                  <a:txBody>
+                    <a:bodyPr/>
+                    <a:lstStyle/>
+                    <a:p>
+                      <a:pPr marL="0" marR="0" algn="ctr">
+                        <a:lnSpc>
+                          <a:spcPct val="150000"/>
+                        </a:lnSpc>
+                        <a:spcBef>
+                          <a:spcPts val="0"/>
+                        </a:spcBef>
+                        <a:spcAft>
+                          <a:spcPts val="0"/>
+                        </a:spcAft>
+                      </a:pPr>
+                      <a:r>
                         <a:rPr lang="en-ID" sz="1400">
                           <a:effectLst/>
                           <a:latin typeface="Times New Roman" panose="02020603050405020304" pitchFamily="18" charset="0"/>
                           <a:cs typeface="Times New Roman" panose="02020603050405020304" pitchFamily="18" charset="0"/>
                         </a:rPr>
-                        <a:t>51.7-62.6</a:t>
+                        <a:t>Ok</a:t>
                       </a:r>
                       <a:endParaRPr lang="id-ID" sz="1400">
                         <a:effectLst/>
@@ -25880,82 +26083,14 @@
                         </a:spcAft>
                       </a:pPr>
                       <a:r>
-                        <a:rPr lang="en-ID" sz="1400">
-                          <a:effectLst/>
-                          <a:latin typeface="Times New Roman" panose="02020603050405020304" pitchFamily="18" charset="0"/>
-                          <a:cs typeface="Times New Roman" panose="02020603050405020304" pitchFamily="18" charset="0"/>
-                        </a:rPr>
-                        <a:t>D</a:t>
-                      </a:r>
-                      <a:endParaRPr lang="id-ID" sz="1400">
-                        <a:effectLst/>
-                        <a:latin typeface="Times New Roman" panose="02020603050405020304" pitchFamily="18" charset="0"/>
-                        <a:ea typeface="Times New Roman" panose="02020603050405020304" pitchFamily="18" charset="0"/>
-                        <a:cs typeface="Times New Roman" panose="02020603050405020304" pitchFamily="18" charset="0"/>
-                      </a:endParaRPr>
-                    </a:p>
-                  </a:txBody>
-                  <a:tcPr marL="68580" marR="68580" marT="0" marB="0" anchor="ctr"/>
-                </a:tc>
-                <a:tc>
-                  <a:txBody>
-                    <a:bodyPr/>
-                    <a:lstStyle/>
-                    <a:p>
-                      <a:pPr marL="0" marR="0" algn="ctr">
-                        <a:lnSpc>
-                          <a:spcPct val="150000"/>
-                        </a:lnSpc>
-                        <a:spcBef>
-                          <a:spcPts val="0"/>
-                        </a:spcBef>
-                        <a:spcAft>
-                          <a:spcPts val="0"/>
-                        </a:spcAft>
-                      </a:pPr>
-                      <a:r>
-                        <a:rPr lang="en-ID" sz="1400">
-                          <a:effectLst/>
-                          <a:latin typeface="Times New Roman" panose="02020603050405020304" pitchFamily="18" charset="0"/>
-                          <a:cs typeface="Times New Roman" panose="02020603050405020304" pitchFamily="18" charset="0"/>
-                        </a:rPr>
-                        <a:t>Ok</a:t>
-                      </a:r>
-                      <a:endParaRPr lang="id-ID" sz="1400">
-                        <a:effectLst/>
-                        <a:latin typeface="Times New Roman" panose="02020603050405020304" pitchFamily="18" charset="0"/>
-                        <a:ea typeface="Times New Roman" panose="02020603050405020304" pitchFamily="18" charset="0"/>
-                        <a:cs typeface="Times New Roman" panose="02020603050405020304" pitchFamily="18" charset="0"/>
-                      </a:endParaRPr>
-                    </a:p>
-                  </a:txBody>
-                  <a:tcPr marL="68580" marR="68580" marT="0" marB="0" anchor="ctr"/>
-                </a:tc>
-                <a:tc>
-                  <a:txBody>
-                    <a:bodyPr/>
-                    <a:lstStyle/>
-                    <a:p>
-                      <a:pPr marL="0" marR="0" algn="ctr">
-                        <a:lnSpc>
-                          <a:spcPct val="150000"/>
-                        </a:lnSpc>
-                        <a:spcBef>
-                          <a:spcPts val="0"/>
-                        </a:spcBef>
-                        <a:spcAft>
-                          <a:spcPts val="0"/>
-                        </a:spcAft>
-                      </a:pPr>
-                      <a:r>
-                        <a:rPr lang="en-ID" sz="1400">
+                        <a:rPr lang="en-ID" sz="1400" dirty="0">
                           <a:effectLst/>
                           <a:latin typeface="Times New Roman" panose="02020603050405020304" pitchFamily="18" charset="0"/>
                           <a:cs typeface="Times New Roman" panose="02020603050405020304" pitchFamily="18" charset="0"/>
                         </a:rPr>
                         <a:t>Marginal</a:t>
                       </a:r>
-                      <a:endParaRPr lang="id-ID" sz="1400">
+                      <a:endParaRPr lang="id-ID" sz="1400" dirty="0">
                         <a:effectLst/>
                         <a:latin typeface="Times New Roman" panose="02020603050405020304" pitchFamily="18" charset="0"/>
                         <a:ea typeface="Times New Roman" panose="02020603050405020304" pitchFamily="18" charset="0"/>
@@ -26057,14 +26192,14 @@
                         </a:spcAft>
                       </a:pPr>
                       <a:r>
-                        <a:rPr lang="en-ID" sz="1400">
+                        <a:rPr lang="en-ID" sz="1400" dirty="0">
                           <a:effectLst/>
                           <a:latin typeface="Times New Roman" panose="02020603050405020304" pitchFamily="18" charset="0"/>
                           <a:cs typeface="Times New Roman" panose="02020603050405020304" pitchFamily="18" charset="0"/>
                         </a:rPr>
                         <a:t>Poor</a:t>
                       </a:r>
-                      <a:endParaRPr lang="id-ID" sz="1400">
+                      <a:endParaRPr lang="id-ID" sz="1400" dirty="0">
                         <a:effectLst/>
                         <a:latin typeface="Times New Roman" panose="02020603050405020304" pitchFamily="18" charset="0"/>
                         <a:ea typeface="Times New Roman" panose="02020603050405020304" pitchFamily="18" charset="0"/>
@@ -26091,14 +26226,14 @@
                         </a:spcAft>
                       </a:pPr>
                       <a:r>
-                        <a:rPr lang="en-ID" sz="1400">
+                        <a:rPr lang="en-ID" sz="1400" dirty="0">
                           <a:effectLst/>
                           <a:latin typeface="Times New Roman" panose="02020603050405020304" pitchFamily="18" charset="0"/>
                           <a:cs typeface="Times New Roman" panose="02020603050405020304" pitchFamily="18" charset="0"/>
                         </a:rPr>
                         <a:t>Not Acceptable</a:t>
                       </a:r>
-                      <a:endParaRPr lang="id-ID" sz="1400">
+                      <a:endParaRPr lang="id-ID" sz="1400" dirty="0">
                         <a:effectLst/>
                         <a:latin typeface="Times New Roman" panose="02020603050405020304" pitchFamily="18" charset="0"/>
                         <a:ea typeface="Times New Roman" panose="02020603050405020304" pitchFamily="18" charset="0"/>
@@ -26200,14 +26335,14 @@
                         </a:spcAft>
                       </a:pPr>
                       <a:r>
-                        <a:rPr lang="en-ID" sz="1400">
+                        <a:rPr lang="en-ID" sz="1400" dirty="0">
                           <a:effectLst/>
                           <a:latin typeface="Times New Roman" panose="02020603050405020304" pitchFamily="18" charset="0"/>
                           <a:cs typeface="Times New Roman" panose="02020603050405020304" pitchFamily="18" charset="0"/>
                         </a:rPr>
                         <a:t>Worst Imaginable</a:t>
                       </a:r>
-                      <a:endParaRPr lang="id-ID" sz="1400">
+                      <a:endParaRPr lang="id-ID" sz="1400" dirty="0">
                         <a:effectLst/>
                         <a:latin typeface="Times New Roman" panose="02020603050405020304" pitchFamily="18" charset="0"/>
                         <a:ea typeface="Times New Roman" panose="02020603050405020304" pitchFamily="18" charset="0"/>
@@ -31362,8 +31497,8 @@
           </a:p>
         </p:txBody>
       </p:sp>
-      <mc:AlternateContent xmlns:mc="http://schemas.openxmlformats.org/markup-compatibility/2006">
-        <mc:Choice xmlns:a14="http://schemas.microsoft.com/office/drawing/2010/main" Requires="a14">
+      <mc:AlternateContent xmlns:mc="http://schemas.openxmlformats.org/markup-compatibility/2006" xmlns:a14="http://schemas.microsoft.com/office/drawing/2010/main">
+        <mc:Choice Requires="a14">
           <p:sp>
             <p:nvSpPr>
               <p:cNvPr id="3" name="Content Placeholder 2">
@@ -33179,7 +33314,7 @@
             </p:txBody>
           </p:sp>
         </mc:Choice>
-        <mc:Fallback>
+        <mc:Fallback xmlns="">
           <p:sp>
             <p:nvSpPr>
               <p:cNvPr id="3" name="Content Placeholder 2">
